--- a/lesson-react-32-shared-state/react-shared-state.pptx
+++ b/lesson-react-32-shared-state/react-shared-state.pptx
@@ -5,30 +5,31 @@
     <p:sldMasterId id="2147483674" r:id="rId1"/>
   </p:sldMasterIdLst>
   <p:notesMasterIdLst>
-    <p:notesMasterId r:id="rId15"/>
+    <p:notesMasterId r:id="rId16"/>
   </p:notesMasterIdLst>
   <p:handoutMasterIdLst>
-    <p:handoutMasterId r:id="rId16"/>
+    <p:handoutMasterId r:id="rId17"/>
   </p:handoutMasterIdLst>
   <p:sldIdLst>
     <p:sldId id="298" r:id="rId2"/>
     <p:sldId id="362" r:id="rId3"/>
-    <p:sldId id="403" r:id="rId4"/>
-    <p:sldId id="405" r:id="rId5"/>
-    <p:sldId id="404" r:id="rId6"/>
-    <p:sldId id="406" r:id="rId7"/>
-    <p:sldId id="407" r:id="rId8"/>
-    <p:sldId id="408" r:id="rId9"/>
-    <p:sldId id="409" r:id="rId10"/>
-    <p:sldId id="413" r:id="rId11"/>
-    <p:sldId id="410" r:id="rId12"/>
-    <p:sldId id="411" r:id="rId13"/>
-    <p:sldId id="402" r:id="rId14"/>
+    <p:sldId id="414" r:id="rId4"/>
+    <p:sldId id="403" r:id="rId5"/>
+    <p:sldId id="405" r:id="rId6"/>
+    <p:sldId id="404" r:id="rId7"/>
+    <p:sldId id="406" r:id="rId8"/>
+    <p:sldId id="407" r:id="rId9"/>
+    <p:sldId id="408" r:id="rId10"/>
+    <p:sldId id="409" r:id="rId11"/>
+    <p:sldId id="413" r:id="rId12"/>
+    <p:sldId id="410" r:id="rId13"/>
+    <p:sldId id="411" r:id="rId14"/>
+    <p:sldId id="402" r:id="rId15"/>
   </p:sldIdLst>
   <p:sldSz cx="9144000" cy="6858000" type="screen4x3"/>
   <p:notesSz cx="6858000" cy="9144000"/>
   <p:custDataLst>
-    <p:tags r:id="rId17"/>
+    <p:tags r:id="rId18"/>
   </p:custDataLst>
   <p:defaultTextStyle>
     <a:defPPr>
@@ -634,6 +635,91 @@
 </p:notesMaster>
 </file>
 
+<file path=ppt/notesSlides/notesSlide1.xml><?xml version="1.0" encoding="utf-8"?>
+<p:notes xmlns:a="http://schemas.openxmlformats.org/drawingml/2006/main" xmlns:r="http://schemas.openxmlformats.org/officeDocument/2006/relationships" xmlns:p="http://schemas.openxmlformats.org/presentationml/2006/main">
+  <p:cSld>
+    <p:spTree>
+      <p:nvGrpSpPr>
+        <p:cNvPr id="1" name=""/>
+        <p:cNvGrpSpPr/>
+        <p:nvPr/>
+      </p:nvGrpSpPr>
+      <p:grpSpPr>
+        <a:xfrm>
+          <a:off x="0" y="0"/>
+          <a:ext cx="0" cy="0"/>
+          <a:chOff x="0" y="0"/>
+          <a:chExt cx="0" cy="0"/>
+        </a:xfrm>
+      </p:grpSpPr>
+      <p:sp>
+        <p:nvSpPr>
+          <p:cNvPr id="2" name="Slide Image Placeholder 1"/>
+          <p:cNvSpPr>
+            <a:spLocks noGrp="1" noRot="1" noChangeAspect="1"/>
+          </p:cNvSpPr>
+          <p:nvPr>
+            <p:ph type="sldImg"/>
+          </p:nvPr>
+        </p:nvSpPr>
+        <p:spPr/>
+      </p:sp>
+      <p:sp>
+        <p:nvSpPr>
+          <p:cNvPr id="3" name="Notes Placeholder 2"/>
+          <p:cNvSpPr>
+            <a:spLocks noGrp="1"/>
+          </p:cNvSpPr>
+          <p:nvPr>
+            <p:ph type="body" idx="1"/>
+          </p:nvPr>
+        </p:nvSpPr>
+        <p:spPr/>
+        <p:txBody>
+          <a:bodyPr/>
+          <a:lstStyle/>
+          <a:p>
+            <a:endParaRPr lang="en-US"/>
+          </a:p>
+        </p:txBody>
+      </p:sp>
+      <p:sp>
+        <p:nvSpPr>
+          <p:cNvPr id="4" name="Slide Number Placeholder 3"/>
+          <p:cNvSpPr>
+            <a:spLocks noGrp="1"/>
+          </p:cNvSpPr>
+          <p:nvPr>
+            <p:ph type="sldNum" sz="quarter" idx="10"/>
+          </p:nvPr>
+        </p:nvSpPr>
+        <p:spPr/>
+        <p:txBody>
+          <a:bodyPr/>
+          <a:lstStyle/>
+          <a:p>
+            <a:fld id="{6AFC80D5-740B-4CAF-B407-EC08971373CE}" type="slidenum">
+              <a:rPr lang="en-US" smtClean="0"/>
+              <a:pPr/>
+              <a:t>3</a:t>
+            </a:fld>
+            <a:endParaRPr lang="en-US" dirty="0"/>
+          </a:p>
+        </p:txBody>
+      </p:sp>
+    </p:spTree>
+    <p:extLst>
+      <p:ext uri="{BB962C8B-B14F-4D97-AF65-F5344CB8AC3E}">
+        <p14:creationId xmlns:p14="http://schemas.microsoft.com/office/powerpoint/2010/main" val="523787316"/>
+      </p:ext>
+    </p:extLst>
+  </p:cSld>
+  <p:clrMapOvr>
+    <a:masterClrMapping/>
+  </p:clrMapOvr>
+</p:notes>
+</file>
+
 <file path=ppt/slideLayouts/slideLayout1.xml><?xml version="1.0" encoding="utf-8"?>
 <p:sldLayout xmlns:a="http://schemas.openxmlformats.org/drawingml/2006/main" xmlns:r="http://schemas.openxmlformats.org/officeDocument/2006/relationships" xmlns:p="http://schemas.openxmlformats.org/presentationml/2006/main" preserve="1" userDrawn="1">
   <p:cSld name="Title Slide">
@@ -1956,7 +2042,7 @@
           <a:noFill/>
           <a:extLst>
             <a:ext uri="{909E8E84-426E-40dd-AFC4-6F175D3DCCD1}">
-              <a14:hiddenFill xmlns="" xmlns:a14="http://schemas.microsoft.com/office/drawing/2010/main">
+              <a14:hiddenFill xmlns:a14="http://schemas.microsoft.com/office/drawing/2010/main" xmlns="">
                 <a:solidFill>
                   <a:srgbClr val="FFFFFF"/>
                 </a:solidFill>
@@ -10410,7 +10496,6 @@
               <a:rPr lang="en-US" sz="3600" dirty="0" smtClean="0"/>
               <a:t>React Shared State</a:t>
             </a:r>
-            <a:endParaRPr lang="en-US" sz="3600" dirty="0" smtClean="0"/>
           </a:p>
         </p:txBody>
       </p:sp>
@@ -10459,6 +10544,30 @@
           <a:chExt cx="0" cy="0"/>
         </a:xfrm>
       </p:grpSpPr>
+      <p:pic>
+        <p:nvPicPr>
+          <p:cNvPr id="4" name="Picture 3"/>
+          <p:cNvPicPr>
+            <a:picLocks noChangeAspect="1"/>
+          </p:cNvPicPr>
+          <p:nvPr/>
+        </p:nvPicPr>
+        <p:blipFill>
+          <a:blip r:embed="rId2"/>
+          <a:stretch>
+            <a:fillRect/>
+          </a:stretch>
+        </p:blipFill>
+        <p:spPr>
+          <a:xfrm>
+            <a:off x="4556853" y="1552956"/>
+            <a:ext cx="3759200" cy="4419600"/>
+          </a:xfrm>
+          <a:prstGeom prst="rect">
+            <a:avLst/>
+          </a:prstGeom>
+        </p:spPr>
+      </p:pic>
       <p:sp>
         <p:nvSpPr>
           <p:cNvPr id="2" name="Text Placeholder 1"/>
@@ -10480,7 +10589,7 @@
             </a:pPr>
             <a:r>
               <a:rPr lang="en-US" dirty="0" smtClean="0"/>
-              <a:t>Page 2</a:t>
+              <a:t>Page 1</a:t>
             </a:r>
           </a:p>
           <a:p>
@@ -10490,7 +10599,7 @@
             </a:pPr>
             <a:r>
               <a:rPr lang="en-US" dirty="0" smtClean="0"/>
-              <a:t>Listener Interface</a:t>
+              <a:t>CRUD API</a:t>
             </a:r>
           </a:p>
           <a:p>
@@ -10499,8 +10608,12 @@
               <a:buChar char="•"/>
             </a:pPr>
             <a:r>
-              <a:rPr lang="en-US" dirty="0" smtClean="0"/>
-              <a:t>Register Listener</a:t>
+              <a:rPr lang="en-US" dirty="0" err="1" smtClean="0"/>
+              <a:t>getName</a:t>
+            </a:r>
+            <a:r>
+              <a:rPr lang="en-US" dirty="0" smtClean="0"/>
+              <a:t>()</a:t>
             </a:r>
           </a:p>
           <a:p>
@@ -10509,29 +10622,20 @@
               <a:buChar char="•"/>
             </a:pPr>
             <a:r>
-              <a:rPr lang="en-US" dirty="0" smtClean="0"/>
-              <a:t>Change data</a:t>
-            </a:r>
-          </a:p>
-          <a:p>
-            <a:pPr marL="631825" lvl="1" indent="-342900">
+              <a:rPr lang="en-US" dirty="0" err="1" smtClean="0"/>
+              <a:t>setName</a:t>
+            </a:r>
+            <a:r>
+              <a:rPr lang="en-US" dirty="0" smtClean="0"/>
+              <a:t>(name)</a:t>
+            </a:r>
+          </a:p>
+          <a:p>
+            <a:pPr marL="342900" indent="-342900">
               <a:buFont typeface="Arial" charset="0"/>
               <a:buChar char="•"/>
             </a:pPr>
-            <a:r>
-              <a:rPr lang="en-US" dirty="0" smtClean="0"/>
-              <a:t>Calls each listener</a:t>
-            </a:r>
-          </a:p>
-          <a:p>
-            <a:pPr marL="917575" lvl="2" indent="-342900">
-              <a:buFont typeface="Arial" charset="0"/>
-              <a:buChar char="•"/>
-            </a:pPr>
-            <a:r>
-              <a:rPr lang="en-US" dirty="0" smtClean="0"/>
-              <a:t>Passes the data</a:t>
-            </a:r>
+            <a:endParaRPr lang="en-US" dirty="0"/>
           </a:p>
           <a:p>
             <a:pPr marL="342900" indent="-342900">
@@ -10581,34 +10685,10 @@
           </a:p>
         </p:txBody>
       </p:sp>
-      <p:pic>
-        <p:nvPicPr>
-          <p:cNvPr id="5" name="Picture 4"/>
-          <p:cNvPicPr>
-            <a:picLocks noChangeAspect="1"/>
-          </p:cNvPicPr>
-          <p:nvPr/>
-        </p:nvPicPr>
-        <p:blipFill>
-          <a:blip r:embed="rId2"/>
-          <a:stretch>
-            <a:fillRect/>
-          </a:stretch>
-        </p:blipFill>
-        <p:spPr>
-          <a:xfrm>
-            <a:off x="3873500" y="1236412"/>
-            <a:ext cx="4737100" cy="3835400"/>
-          </a:xfrm>
-          <a:prstGeom prst="rect">
-            <a:avLst/>
-          </a:prstGeom>
-        </p:spPr>
-      </p:pic>
     </p:spTree>
     <p:extLst>
       <p:ext uri="{BB962C8B-B14F-4D97-AF65-F5344CB8AC3E}">
-        <p14:creationId xmlns:p14="http://schemas.microsoft.com/office/powerpoint/2010/main" val="1318299195"/>
+        <p14:creationId xmlns:p14="http://schemas.microsoft.com/office/powerpoint/2010/main" val="1790827739"/>
       </p:ext>
     </p:extLst>
   </p:cSld>
@@ -10671,7 +10751,17 @@
             </a:pPr>
             <a:r>
               <a:rPr lang="en-US" dirty="0" smtClean="0"/>
-              <a:t>Sends name</a:t>
+              <a:t>Page 2</a:t>
+            </a:r>
+          </a:p>
+          <a:p>
+            <a:pPr marL="342900" indent="-342900">
+              <a:buFont typeface="Arial" charset="0"/>
+              <a:buChar char="•"/>
+            </a:pPr>
+            <a:r>
+              <a:rPr lang="en-US" dirty="0" smtClean="0"/>
+              <a:t>Listener Interface</a:t>
             </a:r>
           </a:p>
           <a:p>
@@ -10681,13 +10771,38 @@
             </a:pPr>
             <a:r>
               <a:rPr lang="en-US" dirty="0" smtClean="0"/>
-              <a:t>To </a:t>
-            </a:r>
-            <a:r>
-              <a:rPr lang="en-US" dirty="0" err="1" smtClean="0"/>
-              <a:t>UserInfo</a:t>
-            </a:r>
-            <a:endParaRPr lang="en-US" dirty="0" smtClean="0"/>
+              <a:t>Register Listener</a:t>
+            </a:r>
+          </a:p>
+          <a:p>
+            <a:pPr marL="631825" lvl="1" indent="-342900">
+              <a:buFont typeface="Arial" charset="0"/>
+              <a:buChar char="•"/>
+            </a:pPr>
+            <a:r>
+              <a:rPr lang="en-US" dirty="0" smtClean="0"/>
+              <a:t>Change data</a:t>
+            </a:r>
+          </a:p>
+          <a:p>
+            <a:pPr marL="631825" lvl="1" indent="-342900">
+              <a:buFont typeface="Arial" charset="0"/>
+              <a:buChar char="•"/>
+            </a:pPr>
+            <a:r>
+              <a:rPr lang="en-US" dirty="0" smtClean="0"/>
+              <a:t>Calls each listener</a:t>
+            </a:r>
+          </a:p>
+          <a:p>
+            <a:pPr marL="917575" lvl="2" indent="-342900">
+              <a:buFont typeface="Arial" charset="0"/>
+              <a:buChar char="•"/>
+            </a:pPr>
+            <a:r>
+              <a:rPr lang="en-US" dirty="0" smtClean="0"/>
+              <a:t>Passes the data</a:t>
+            </a:r>
           </a:p>
           <a:p>
             <a:pPr marL="342900" indent="-342900">
@@ -10696,54 +10811,7 @@
             </a:pPr>
             <a:r>
               <a:rPr lang="en-US" dirty="0" smtClean="0"/>
-              <a:t>Changes own state</a:t>
-            </a:r>
-          </a:p>
-          <a:p>
-            <a:pPr marL="342900" indent="-342900">
-              <a:buFont typeface="Arial" charset="0"/>
-              <a:buChar char="•"/>
-            </a:pPr>
-            <a:endParaRPr lang="en-US" dirty="0"/>
-          </a:p>
-          <a:p>
-            <a:pPr marL="342900" indent="-342900">
-              <a:buFont typeface="Arial" charset="0"/>
-              <a:buChar char="•"/>
-            </a:pPr>
-            <a:r>
-              <a:rPr lang="en-US" dirty="0" smtClean="0"/>
-              <a:t>Problem</a:t>
-            </a:r>
-          </a:p>
-          <a:p>
-            <a:pPr marL="631825" lvl="1" indent="-342900">
-              <a:buFont typeface="Arial" charset="0"/>
-              <a:buChar char="•"/>
-            </a:pPr>
-            <a:r>
-              <a:rPr lang="en-US" dirty="0" smtClean="0"/>
-              <a:t>What is someone</a:t>
-            </a:r>
-          </a:p>
-          <a:p>
-            <a:pPr marL="631825" lvl="1" indent="-342900">
-              <a:buFont typeface="Arial" charset="0"/>
-              <a:buChar char="•"/>
-            </a:pPr>
-            <a:r>
-              <a:rPr lang="en-US" dirty="0" smtClean="0"/>
-              <a:t>Else changes the </a:t>
-            </a:r>
-          </a:p>
-          <a:p>
-            <a:pPr marL="631825" lvl="1" indent="-342900">
-              <a:buFont typeface="Arial" charset="0"/>
-              <a:buChar char="•"/>
-            </a:pPr>
-            <a:r>
-              <a:rPr lang="en-US" dirty="0" smtClean="0"/>
-              <a:t>Data???</a:t>
+              <a:t>Simple, easy to test</a:t>
             </a:r>
             <a:endParaRPr lang="en-US" dirty="0"/>
           </a:p>
@@ -10766,7 +10834,7 @@
           <a:p>
             <a:r>
               <a:rPr lang="en-US" dirty="0" smtClean="0"/>
-              <a:t>Left Side </a:t>
+              <a:t>Singleton Data </a:t>
             </a:r>
             <a:r>
               <a:rPr lang="mr-IN" dirty="0" smtClean="0"/>
@@ -10778,7 +10846,7 @@
             </a:r>
             <a:r>
               <a:rPr lang="en-US" dirty="0" err="1" smtClean="0"/>
-              <a:t>Login.js</a:t>
+              <a:t>UserInfo.js</a:t>
             </a:r>
             <a:endParaRPr lang="en-US" dirty="0"/>
           </a:p>
@@ -10786,7 +10854,7 @@
       </p:sp>
       <p:pic>
         <p:nvPicPr>
-          <p:cNvPr id="4" name="Picture 3"/>
+          <p:cNvPr id="5" name="Picture 4"/>
           <p:cNvPicPr>
             <a:picLocks noChangeAspect="1"/>
           </p:cNvPicPr>
@@ -10800,8 +10868,8 @@
         </p:blipFill>
         <p:spPr>
           <a:xfrm>
-            <a:off x="3102034" y="1353312"/>
-            <a:ext cx="5508566" cy="5123688"/>
+            <a:off x="3873500" y="1236412"/>
+            <a:ext cx="4737100" cy="3835400"/>
           </a:xfrm>
           <a:prstGeom prst="rect">
             <a:avLst/>
@@ -10811,7 +10879,7 @@
     </p:spTree>
     <p:extLst>
       <p:ext uri="{BB962C8B-B14F-4D97-AF65-F5344CB8AC3E}">
-        <p14:creationId xmlns:p14="http://schemas.microsoft.com/office/powerpoint/2010/main" val="1458496668"/>
+        <p14:creationId xmlns:p14="http://schemas.microsoft.com/office/powerpoint/2010/main" val="1318299195"/>
       </p:ext>
     </p:extLst>
   </p:cSld>
@@ -10874,8 +10942,23 @@
             </a:pPr>
             <a:r>
               <a:rPr lang="en-US" dirty="0" smtClean="0"/>
-              <a:t>Must listen for changes to data</a:t>
-            </a:r>
+              <a:t>Sends name</a:t>
+            </a:r>
+          </a:p>
+          <a:p>
+            <a:pPr marL="631825" lvl="1" indent="-342900">
+              <a:buFont typeface="Arial" charset="0"/>
+              <a:buChar char="•"/>
+            </a:pPr>
+            <a:r>
+              <a:rPr lang="en-US" dirty="0" smtClean="0"/>
+              <a:t>To </a:t>
+            </a:r>
+            <a:r>
+              <a:rPr lang="en-US" dirty="0" err="1" smtClean="0"/>
+              <a:t>UserInfo</a:t>
+            </a:r>
+            <a:endParaRPr lang="en-US" dirty="0" smtClean="0"/>
           </a:p>
           <a:p>
             <a:pPr marL="342900" indent="-342900">
@@ -10884,7 +10967,24 @@
             </a:pPr>
             <a:r>
               <a:rPr lang="en-US" dirty="0" smtClean="0"/>
-              <a:t>Change state</a:t>
+              <a:t>Changes own state</a:t>
+            </a:r>
+          </a:p>
+          <a:p>
+            <a:pPr marL="342900" indent="-342900">
+              <a:buFont typeface="Arial" charset="0"/>
+              <a:buChar char="•"/>
+            </a:pPr>
+            <a:endParaRPr lang="en-US" dirty="0"/>
+          </a:p>
+          <a:p>
+            <a:pPr marL="342900" indent="-342900">
+              <a:buFont typeface="Arial" charset="0"/>
+              <a:buChar char="•"/>
+            </a:pPr>
+            <a:r>
+              <a:rPr lang="en-US" dirty="0" smtClean="0"/>
+              <a:t>Problem</a:t>
             </a:r>
           </a:p>
           <a:p>
@@ -10894,7 +10994,33 @@
             </a:pPr>
             <a:r>
               <a:rPr lang="en-US" dirty="0" smtClean="0"/>
-              <a:t>Causes render()</a:t>
+              <a:t>What if someone</a:t>
+            </a:r>
+          </a:p>
+          <a:p>
+            <a:pPr marL="288925" lvl="1" indent="0">
+              <a:buNone/>
+            </a:pPr>
+            <a:r>
+              <a:rPr lang="en-US" dirty="0"/>
+              <a:t>e</a:t>
+            </a:r>
+            <a:r>
+              <a:rPr lang="en-US" dirty="0" smtClean="0"/>
+              <a:t>lse changes the </a:t>
+            </a:r>
+          </a:p>
+          <a:p>
+            <a:pPr marL="288925" lvl="1" indent="0">
+              <a:buNone/>
+            </a:pPr>
+            <a:r>
+              <a:rPr lang="en-US" dirty="0"/>
+              <a:t>d</a:t>
+            </a:r>
+            <a:r>
+              <a:rPr lang="en-US" dirty="0" smtClean="0"/>
+              <a:t>ata???</a:t>
             </a:r>
             <a:endParaRPr lang="en-US" dirty="0"/>
           </a:p>
@@ -10917,7 +11043,7 @@
           <a:p>
             <a:r>
               <a:rPr lang="en-US" dirty="0" smtClean="0"/>
-              <a:t>Right </a:t>
+              <a:t>Left Side </a:t>
             </a:r>
             <a:r>
               <a:rPr lang="mr-IN" dirty="0" smtClean="0"/>
@@ -10929,7 +11055,7 @@
             </a:r>
             <a:r>
               <a:rPr lang="en-US" dirty="0" err="1" smtClean="0"/>
-              <a:t>Marketing.js</a:t>
+              <a:t>Login.js</a:t>
             </a:r>
             <a:endParaRPr lang="en-US" dirty="0"/>
           </a:p>
@@ -10951,8 +11077,8 @@
         </p:blipFill>
         <p:spPr>
           <a:xfrm>
-            <a:off x="2852725" y="1887071"/>
-            <a:ext cx="5757875" cy="4267200"/>
+            <a:off x="3102034" y="1353312"/>
+            <a:ext cx="5508566" cy="5123688"/>
           </a:xfrm>
           <a:prstGeom prst="rect">
             <a:avLst/>
@@ -10962,7 +11088,7 @@
     </p:spTree>
     <p:extLst>
       <p:ext uri="{BB962C8B-B14F-4D97-AF65-F5344CB8AC3E}">
-        <p14:creationId xmlns:p14="http://schemas.microsoft.com/office/powerpoint/2010/main" val="1575152218"/>
+        <p14:creationId xmlns:p14="http://schemas.microsoft.com/office/powerpoint/2010/main" val="1458496668"/>
       </p:ext>
     </p:extLst>
   </p:cSld>
@@ -11025,7 +11151,7 @@
             </a:pPr>
             <a:r>
               <a:rPr lang="en-US" dirty="0" smtClean="0"/>
-              <a:t>Use the instructions</a:t>
+              <a:t>Must listen for changes to data</a:t>
             </a:r>
           </a:p>
           <a:p>
@@ -11035,9 +11161,140 @@
             </a:pPr>
             <a:r>
               <a:rPr lang="en-US" dirty="0" smtClean="0"/>
-              <a:t>Start with Parent managed state</a:t>
-            </a:r>
-          </a:p>
+              <a:t>Change state</a:t>
+            </a:r>
+          </a:p>
+          <a:p>
+            <a:pPr marL="631825" lvl="1" indent="-342900">
+              <a:buFont typeface="Arial" charset="0"/>
+              <a:buChar char="•"/>
+            </a:pPr>
+            <a:r>
+              <a:rPr lang="en-US" dirty="0" smtClean="0"/>
+              <a:t>Causes render()</a:t>
+            </a:r>
+            <a:endParaRPr lang="en-US" dirty="0"/>
+          </a:p>
+        </p:txBody>
+      </p:sp>
+      <p:sp>
+        <p:nvSpPr>
+          <p:cNvPr id="3" name="Title 2"/>
+          <p:cNvSpPr>
+            <a:spLocks noGrp="1"/>
+          </p:cNvSpPr>
+          <p:nvPr>
+            <p:ph type="title"/>
+          </p:nvPr>
+        </p:nvSpPr>
+        <p:spPr/>
+        <p:txBody>
+          <a:bodyPr/>
+          <a:lstStyle/>
+          <a:p>
+            <a:r>
+              <a:rPr lang="en-US" dirty="0" smtClean="0"/>
+              <a:t>Right </a:t>
+            </a:r>
+            <a:r>
+              <a:rPr lang="mr-IN" dirty="0" smtClean="0"/>
+              <a:t>–</a:t>
+            </a:r>
+            <a:r>
+              <a:rPr lang="en-US" dirty="0" smtClean="0"/>
+              <a:t> </a:t>
+            </a:r>
+            <a:r>
+              <a:rPr lang="en-US" dirty="0" err="1" smtClean="0"/>
+              <a:t>Marketing.js</a:t>
+            </a:r>
+            <a:endParaRPr lang="en-US" dirty="0"/>
+          </a:p>
+        </p:txBody>
+      </p:sp>
+      <p:pic>
+        <p:nvPicPr>
+          <p:cNvPr id="4" name="Picture 3"/>
+          <p:cNvPicPr>
+            <a:picLocks noChangeAspect="1"/>
+          </p:cNvPicPr>
+          <p:nvPr/>
+        </p:nvPicPr>
+        <p:blipFill>
+          <a:blip r:embed="rId2"/>
+          <a:stretch>
+            <a:fillRect/>
+          </a:stretch>
+        </p:blipFill>
+        <p:spPr>
+          <a:xfrm>
+            <a:off x="2852725" y="1887071"/>
+            <a:ext cx="5757875" cy="4267200"/>
+          </a:xfrm>
+          <a:prstGeom prst="rect">
+            <a:avLst/>
+          </a:prstGeom>
+        </p:spPr>
+      </p:pic>
+    </p:spTree>
+    <p:extLst>
+      <p:ext uri="{BB962C8B-B14F-4D97-AF65-F5344CB8AC3E}">
+        <p14:creationId xmlns:p14="http://schemas.microsoft.com/office/powerpoint/2010/main" val="1575152218"/>
+      </p:ext>
+    </p:extLst>
+  </p:cSld>
+  <p:clrMapOvr>
+    <a:masterClrMapping/>
+  </p:clrMapOvr>
+  <mc:AlternateContent xmlns:mc="http://schemas.openxmlformats.org/markup-compatibility/2006" xmlns:p14="http://schemas.microsoft.com/office/powerpoint/2010/main">
+    <mc:Choice Requires="p14">
+      <p:transition p14:dur="0"/>
+    </mc:Choice>
+    <mc:Fallback xmlns="">
+      <p:transition/>
+    </mc:Fallback>
+  </mc:AlternateContent>
+  <p:timing>
+    <p:tnLst>
+      <p:par>
+        <p:cTn id="1" dur="indefinite" restart="never" nodeType="tmRoot"/>
+      </p:par>
+    </p:tnLst>
+  </p:timing>
+</p:sld>
+</file>
+
+<file path=ppt/slides/slide14.xml><?xml version="1.0" encoding="utf-8"?>
+<p:sld xmlns:a="http://schemas.openxmlformats.org/drawingml/2006/main" xmlns:r="http://schemas.openxmlformats.org/officeDocument/2006/relationships" xmlns:p="http://schemas.openxmlformats.org/presentationml/2006/main">
+  <p:cSld>
+    <p:spTree>
+      <p:nvGrpSpPr>
+        <p:cNvPr id="1" name=""/>
+        <p:cNvGrpSpPr/>
+        <p:nvPr/>
+      </p:nvGrpSpPr>
+      <p:grpSpPr>
+        <a:xfrm>
+          <a:off x="0" y="0"/>
+          <a:ext cx="0" cy="0"/>
+          <a:chOff x="0" y="0"/>
+          <a:chExt cx="0" cy="0"/>
+        </a:xfrm>
+      </p:grpSpPr>
+      <p:sp>
+        <p:nvSpPr>
+          <p:cNvPr id="2" name="Text Placeholder 1"/>
+          <p:cNvSpPr>
+            <a:spLocks noGrp="1"/>
+          </p:cNvSpPr>
+          <p:nvPr>
+            <p:ph type="body" sz="quarter" idx="12"/>
+          </p:nvPr>
+        </p:nvSpPr>
+        <p:spPr/>
+        <p:txBody>
+          <a:bodyPr/>
+          <a:lstStyle/>
           <a:p>
             <a:pPr marL="342900" indent="-342900">
               <a:buFont typeface="Arial" charset="0"/>
@@ -11045,9 +11302,28 @@
             </a:pPr>
             <a:r>
               <a:rPr lang="en-US" dirty="0" smtClean="0"/>
+              <a:t>Use the instructions</a:t>
+            </a:r>
+          </a:p>
+          <a:p>
+            <a:pPr marL="342900" indent="-342900">
+              <a:buFont typeface="Arial" charset="0"/>
+              <a:buChar char="•"/>
+            </a:pPr>
+            <a:r>
+              <a:rPr lang="en-US" dirty="0" smtClean="0"/>
+              <a:t>Start with Parent managed state</a:t>
+            </a:r>
+          </a:p>
+          <a:p>
+            <a:pPr marL="342900" indent="-342900">
+              <a:buFont typeface="Arial" charset="0"/>
+              <a:buChar char="•"/>
+            </a:pPr>
+            <a:r>
+              <a:rPr lang="en-US" dirty="0" smtClean="0"/>
               <a:t>Change to singleton managed state</a:t>
             </a:r>
-            <a:endParaRPr lang="en-US" dirty="0" smtClean="0"/>
           </a:p>
         </p:txBody>
       </p:sp>
@@ -11152,7 +11428,6 @@
               <a:rPr lang="en-US" dirty="0" smtClean="0"/>
               <a:t>Login vs Marketing (Hello, Clay, buy more stuff!!!)</a:t>
             </a:r>
-            <a:endParaRPr lang="en-US" dirty="0" smtClean="0"/>
           </a:p>
           <a:p>
             <a:pPr marL="342900" indent="-342900">
@@ -11325,6 +11600,397 @@
       </p:grpSpPr>
       <p:sp>
         <p:nvSpPr>
+          <p:cNvPr id="7171" name="Content Placeholder 2"/>
+          <p:cNvSpPr>
+            <a:spLocks noGrp="1"/>
+          </p:cNvSpPr>
+          <p:nvPr>
+            <p:ph type="body" sz="quarter" idx="12"/>
+          </p:nvPr>
+        </p:nvSpPr>
+        <p:spPr/>
+        <p:txBody>
+          <a:bodyPr/>
+          <a:lstStyle/>
+          <a:p>
+            <a:pPr marL="342900" indent="-342900">
+              <a:buFont typeface="Arial" charset="0"/>
+              <a:buChar char="•"/>
+            </a:pPr>
+            <a:r>
+              <a:rPr lang="en-US" dirty="0" smtClean="0"/>
+              <a:t>Like Spring, everything’s a </a:t>
+            </a:r>
+            <a:r>
+              <a:rPr lang="en-US" dirty="0" smtClean="0">
+                <a:solidFill>
+                  <a:srgbClr val="FF0000"/>
+                </a:solidFill>
+              </a:rPr>
+              <a:t>singleton</a:t>
+            </a:r>
+            <a:r>
+              <a:rPr lang="en-US" dirty="0" smtClean="0"/>
+              <a:t>!!!</a:t>
+            </a:r>
+          </a:p>
+          <a:p>
+            <a:pPr marL="342900" indent="-342900">
+              <a:buFont typeface="Arial" charset="0"/>
+              <a:buChar char="•"/>
+            </a:pPr>
+            <a:r>
+              <a:rPr lang="en-US" dirty="0" smtClean="0"/>
+              <a:t>When you </a:t>
+            </a:r>
+            <a:r>
+              <a:rPr lang="en-US" dirty="0" smtClean="0">
+                <a:solidFill>
+                  <a:srgbClr val="FF0000"/>
+                </a:solidFill>
+              </a:rPr>
+              <a:t>require()</a:t>
+            </a:r>
+            <a:r>
+              <a:rPr lang="en-US" dirty="0" smtClean="0"/>
+              <a:t> or </a:t>
+            </a:r>
+            <a:r>
+              <a:rPr lang="en-US" dirty="0" smtClean="0">
+                <a:solidFill>
+                  <a:srgbClr val="FF0000"/>
+                </a:solidFill>
+              </a:rPr>
+              <a:t>import</a:t>
+            </a:r>
+            <a:r>
+              <a:rPr lang="en-US" dirty="0" smtClean="0"/>
+              <a:t> a module,</a:t>
+            </a:r>
+          </a:p>
+          <a:p>
+            <a:pPr marL="631825" lvl="1" indent="-342900">
+              <a:buFont typeface="Arial" charset="0"/>
+              <a:buChar char="•"/>
+            </a:pPr>
+            <a:r>
+              <a:rPr lang="en-US" dirty="0" smtClean="0"/>
+              <a:t>Node evaluates the contents of the module</a:t>
+            </a:r>
+          </a:p>
+          <a:p>
+            <a:pPr marL="631825" lvl="1" indent="-342900">
+              <a:buFont typeface="Arial" charset="0"/>
+              <a:buChar char="•"/>
+            </a:pPr>
+            <a:r>
+              <a:rPr lang="en-US" dirty="0" smtClean="0"/>
+              <a:t>Node caches the results</a:t>
+            </a:r>
+          </a:p>
+          <a:p>
+            <a:pPr marL="631825" lvl="1" indent="-342900">
+              <a:buFont typeface="Arial" charset="0"/>
+              <a:buChar char="•"/>
+            </a:pPr>
+            <a:r>
+              <a:rPr lang="en-US" dirty="0" smtClean="0"/>
+              <a:t>Node returns the cache value next time</a:t>
+            </a:r>
+          </a:p>
+          <a:p>
+            <a:pPr marL="342900" indent="-342900">
+              <a:buFont typeface="Arial" charset="0"/>
+              <a:buChar char="•"/>
+            </a:pPr>
+            <a:r>
+              <a:rPr lang="en-US" dirty="0" smtClean="0"/>
+              <a:t>If you want a singleton, export an </a:t>
+            </a:r>
+            <a:r>
+              <a:rPr lang="en-US" dirty="0" smtClean="0">
+                <a:solidFill>
+                  <a:srgbClr val="FF0000"/>
+                </a:solidFill>
+              </a:rPr>
+              <a:t>object</a:t>
+            </a:r>
+          </a:p>
+          <a:p>
+            <a:pPr marL="631825" lvl="1" indent="-342900">
+              <a:buFont typeface="Arial" charset="0"/>
+              <a:buChar char="•"/>
+            </a:pPr>
+            <a:r>
+              <a:rPr lang="en-US" dirty="0" err="1" smtClean="0">
+                <a:solidFill>
+                  <a:srgbClr val="FF0000"/>
+                </a:solidFill>
+              </a:rPr>
+              <a:t>module.exports</a:t>
+            </a:r>
+            <a:r>
+              <a:rPr lang="en-US" dirty="0" smtClean="0"/>
+              <a:t> = { </a:t>
+            </a:r>
+            <a:r>
+              <a:rPr lang="en-US" dirty="0" err="1" smtClean="0"/>
+              <a:t>abc</a:t>
+            </a:r>
+            <a:r>
+              <a:rPr lang="en-US" dirty="0" smtClean="0"/>
+              <a:t>: function() </a:t>
+            </a:r>
+            <a:r>
+              <a:rPr lang="mr-IN" dirty="0" smtClean="0"/>
+              <a:t>…</a:t>
+            </a:r>
+            <a:r>
+              <a:rPr lang="en-US" dirty="0" smtClean="0"/>
+              <a:t>. }</a:t>
+            </a:r>
+          </a:p>
+          <a:p>
+            <a:pPr marL="342900" indent="-342900">
+              <a:buFont typeface="Arial" charset="0"/>
+              <a:buChar char="•"/>
+            </a:pPr>
+            <a:r>
+              <a:rPr lang="en-US" dirty="0" smtClean="0"/>
+              <a:t>If you want individual instances of a class,</a:t>
+            </a:r>
+          </a:p>
+          <a:p>
+            <a:pPr marL="631825" lvl="1" indent="-342900">
+              <a:buFont typeface="Arial" charset="0"/>
+              <a:buChar char="•"/>
+            </a:pPr>
+            <a:r>
+              <a:rPr lang="en-US" dirty="0" smtClean="0"/>
+              <a:t>Export the </a:t>
+            </a:r>
+            <a:r>
+              <a:rPr lang="en-US" dirty="0" smtClean="0">
+                <a:solidFill>
+                  <a:srgbClr val="FF0000"/>
+                </a:solidFill>
+              </a:rPr>
+              <a:t>class</a:t>
+            </a:r>
+            <a:r>
+              <a:rPr lang="en-US" dirty="0" smtClean="0"/>
+              <a:t>, not the </a:t>
+            </a:r>
+            <a:r>
+              <a:rPr lang="en-US" dirty="0" smtClean="0">
+                <a:solidFill>
+                  <a:srgbClr val="FF0000"/>
+                </a:solidFill>
+              </a:rPr>
+              <a:t>object</a:t>
+            </a:r>
+            <a:r>
+              <a:rPr lang="en-US" dirty="0" smtClean="0"/>
+              <a:t> </a:t>
+            </a:r>
+          </a:p>
+          <a:p>
+            <a:pPr marL="917575" lvl="2" indent="-342900">
+              <a:buFont typeface="Arial" charset="0"/>
+              <a:buChar char="•"/>
+            </a:pPr>
+            <a:r>
+              <a:rPr lang="en-US" dirty="0">
+                <a:solidFill>
+                  <a:srgbClr val="FF0000"/>
+                </a:solidFill>
+              </a:rPr>
+              <a:t>e</a:t>
+            </a:r>
+            <a:r>
+              <a:rPr lang="en-US" dirty="0" smtClean="0">
+                <a:solidFill>
+                  <a:srgbClr val="FF0000"/>
+                </a:solidFill>
+              </a:rPr>
+              <a:t>xport default</a:t>
+            </a:r>
+            <a:r>
+              <a:rPr lang="en-US" dirty="0" smtClean="0"/>
+              <a:t> class </a:t>
+            </a:r>
+            <a:r>
+              <a:rPr lang="en-US" dirty="0" err="1" smtClean="0"/>
+              <a:t>Abc</a:t>
+            </a:r>
+            <a:r>
+              <a:rPr lang="en-US" dirty="0" smtClean="0"/>
+              <a:t> extends Component { </a:t>
+            </a:r>
+            <a:r>
+              <a:rPr lang="mr-IN" dirty="0" smtClean="0"/>
+              <a:t>…</a:t>
+            </a:r>
+            <a:r>
+              <a:rPr lang="en-US" dirty="0" smtClean="0"/>
+              <a:t> }</a:t>
+            </a:r>
+          </a:p>
+          <a:p>
+            <a:pPr marL="917575" lvl="2" indent="-342900">
+              <a:buFont typeface="Arial" charset="0"/>
+              <a:buChar char="•"/>
+            </a:pPr>
+            <a:r>
+              <a:rPr lang="en-US" dirty="0" smtClean="0"/>
+              <a:t>Then you do a new on the class </a:t>
+            </a:r>
+            <a:r>
+              <a:rPr lang="mr-IN" dirty="0" smtClean="0"/>
+              <a:t>–</a:t>
+            </a:r>
+            <a:r>
+              <a:rPr lang="en-US" dirty="0" smtClean="0"/>
+              <a:t> like React does</a:t>
+            </a:r>
+            <a:r>
+              <a:rPr lang="mr-IN" dirty="0" smtClean="0"/>
+              <a:t>…</a:t>
+            </a:r>
+            <a:endParaRPr lang="en-US" dirty="0" smtClean="0"/>
+          </a:p>
+        </p:txBody>
+      </p:sp>
+      <p:sp>
+        <p:nvSpPr>
+          <p:cNvPr id="7170" name="Title 1"/>
+          <p:cNvSpPr>
+            <a:spLocks noGrp="1"/>
+          </p:cNvSpPr>
+          <p:nvPr>
+            <p:ph type="title"/>
+          </p:nvPr>
+        </p:nvSpPr>
+        <p:spPr/>
+        <p:txBody>
+          <a:bodyPr/>
+          <a:lstStyle/>
+          <a:p>
+            <a:r>
+              <a:rPr lang="en-US" dirty="0" smtClean="0"/>
+              <a:t>What’s </a:t>
+            </a:r>
+            <a:r>
+              <a:rPr lang="en-US" dirty="0" smtClean="0">
+                <a:solidFill>
+                  <a:srgbClr val="FF0000"/>
+                </a:solidFill>
+              </a:rPr>
+              <a:t>Import</a:t>
+            </a:r>
+            <a:r>
+              <a:rPr lang="en-US" dirty="0" smtClean="0"/>
+              <a:t>ant about </a:t>
+            </a:r>
+            <a:r>
+              <a:rPr lang="en-US" dirty="0" smtClean="0">
+                <a:solidFill>
+                  <a:srgbClr val="FF0000"/>
+                </a:solidFill>
+              </a:rPr>
+              <a:t>import</a:t>
+            </a:r>
+            <a:r>
+              <a:rPr lang="en-US" dirty="0" smtClean="0"/>
+              <a:t>?</a:t>
+            </a:r>
+          </a:p>
+        </p:txBody>
+      </p:sp>
+      <p:sp>
+        <p:nvSpPr>
+          <p:cNvPr id="4" name="Slide Number Placeholder 3"/>
+          <p:cNvSpPr>
+            <a:spLocks noGrp="1"/>
+          </p:cNvSpPr>
+          <p:nvPr>
+            <p:ph type="sldNum" sz="quarter" idx="4294967295"/>
+          </p:nvPr>
+        </p:nvSpPr>
+        <p:spPr>
+          <a:xfrm>
+            <a:off x="8237538" y="6553200"/>
+            <a:ext cx="906462" cy="457200"/>
+          </a:xfrm>
+          <a:prstGeom prst="rect">
+            <a:avLst/>
+          </a:prstGeom>
+        </p:spPr>
+        <p:txBody>
+          <a:bodyPr/>
+          <a:lstStyle/>
+          <a:p>
+            <a:pPr>
+              <a:defRPr/>
+            </a:pPr>
+            <a:fld id="{D369B8B7-927E-44BF-8C60-1C3FD10483AB}" type="slidenum">
+              <a:rPr lang="en-US" smtClean="0"/>
+              <a:pPr>
+                <a:defRPr/>
+              </a:pPr>
+              <a:t>3</a:t>
+            </a:fld>
+            <a:endParaRPr lang="en-US"/>
+          </a:p>
+        </p:txBody>
+      </p:sp>
+    </p:spTree>
+    <p:extLst>
+      <p:ext uri="{BB962C8B-B14F-4D97-AF65-F5344CB8AC3E}">
+        <p14:creationId xmlns:p14="http://schemas.microsoft.com/office/powerpoint/2010/main" val="72095232"/>
+      </p:ext>
+    </p:extLst>
+  </p:cSld>
+  <p:clrMapOvr>
+    <a:masterClrMapping/>
+  </p:clrMapOvr>
+  <mc:AlternateContent xmlns:mc="http://schemas.openxmlformats.org/markup-compatibility/2006" xmlns:p14="http://schemas.microsoft.com/office/powerpoint/2010/main">
+    <mc:Choice Requires="p14">
+      <p:transition p14:dur="0"/>
+    </mc:Choice>
+    <mc:Fallback xmlns="">
+      <p:transition/>
+    </mc:Fallback>
+  </mc:AlternateContent>
+  <p:timing>
+    <p:tnLst>
+      <p:par>
+        <p:cTn id="1" dur="indefinite" restart="never" nodeType="tmRoot"/>
+      </p:par>
+    </p:tnLst>
+  </p:timing>
+</p:sld>
+</file>
+
+<file path=ppt/slides/slide4.xml><?xml version="1.0" encoding="utf-8"?>
+<p:sld xmlns:a="http://schemas.openxmlformats.org/drawingml/2006/main" xmlns:r="http://schemas.openxmlformats.org/officeDocument/2006/relationships" xmlns:p="http://schemas.openxmlformats.org/presentationml/2006/main">
+  <p:cSld>
+    <p:spTree>
+      <p:nvGrpSpPr>
+        <p:cNvPr id="1" name=""/>
+        <p:cNvGrpSpPr/>
+        <p:nvPr/>
+      </p:nvGrpSpPr>
+      <p:grpSpPr>
+        <a:xfrm>
+          <a:off x="0" y="0"/>
+          <a:ext cx="0" cy="0"/>
+          <a:chOff x="0" y="0"/>
+          <a:chExt cx="0" cy="0"/>
+        </a:xfrm>
+      </p:grpSpPr>
+      <p:sp>
+        <p:nvSpPr>
           <p:cNvPr id="2" name="Text Placeholder 1"/>
           <p:cNvSpPr>
             <a:spLocks noGrp="1"/>
@@ -11379,6 +12045,76 @@
             <a:r>
               <a:rPr lang="en-US" dirty="0" smtClean="0"/>
               <a:t>change</a:t>
+            </a:r>
+          </a:p>
+          <a:p>
+            <a:pPr marL="342900" lvl="1" indent="-342900">
+              <a:buFont typeface="Arial" charset="0"/>
+              <a:buChar char="•"/>
+            </a:pPr>
+            <a:r>
+              <a:rPr lang="en-US" dirty="0" smtClean="0"/>
+              <a:t>Like the </a:t>
+            </a:r>
+            <a:r>
+              <a:rPr lang="en-US" dirty="0" err="1" smtClean="0">
+                <a:solidFill>
+                  <a:srgbClr val="FF0000"/>
+                </a:solidFill>
+              </a:rPr>
+              <a:t>TodoList</a:t>
+            </a:r>
+            <a:r>
+              <a:rPr lang="en-US" dirty="0" smtClean="0">
+                <a:solidFill>
+                  <a:srgbClr val="FF0000"/>
+                </a:solidFill>
+              </a:rPr>
+              <a:t> </a:t>
+            </a:r>
+            <a:r>
+              <a:rPr lang="en-US" dirty="0" smtClean="0"/>
+              <a:t>as a parent with </a:t>
+            </a:r>
+            <a:r>
+              <a:rPr lang="en-US" dirty="0" err="1" smtClean="0">
+                <a:solidFill>
+                  <a:srgbClr val="FF0000"/>
+                </a:solidFill>
+              </a:rPr>
+              <a:t>TodoInput</a:t>
+            </a:r>
+            <a:r>
+              <a:rPr lang="en-US" dirty="0" smtClean="0">
+                <a:solidFill>
+                  <a:srgbClr val="FF0000"/>
+                </a:solidFill>
+              </a:rPr>
+              <a:t> </a:t>
+            </a:r>
+            <a:r>
+              <a:rPr lang="en-US" dirty="0" smtClean="0"/>
+              <a:t>and </a:t>
+            </a:r>
+            <a:r>
+              <a:rPr lang="en-US" dirty="0" err="1" smtClean="0">
+                <a:solidFill>
+                  <a:srgbClr val="FF0000"/>
+                </a:solidFill>
+              </a:rPr>
+              <a:t>TodoItem</a:t>
+            </a:r>
+            <a:r>
+              <a:rPr lang="en-US" dirty="0" smtClean="0">
+                <a:solidFill>
+                  <a:srgbClr val="FF0000"/>
+                </a:solidFill>
+              </a:rPr>
+              <a:t> </a:t>
+            </a:r>
+            <a:r>
+              <a:rPr lang="en-US" dirty="0" smtClean="0"/>
+              <a:t>as children</a:t>
             </a:r>
             <a:endParaRPr lang="en-US" dirty="0" smtClean="0"/>
           </a:p>
@@ -11487,7 +12223,7 @@
 </p:sld>
 </file>
 
-<file path=ppt/slides/slide4.xml><?xml version="1.0" encoding="utf-8"?>
+<file path=ppt/slides/slide5.xml><?xml version="1.0" encoding="utf-8"?>
 <p:sld xmlns:a="http://schemas.openxmlformats.org/drawingml/2006/main" xmlns:r="http://schemas.openxmlformats.org/officeDocument/2006/relationships" xmlns:p="http://schemas.openxmlformats.org/presentationml/2006/main">
   <p:cSld>
     <p:spTree>
@@ -11681,7 +12417,7 @@
 </p:sld>
 </file>
 
-<file path=ppt/slides/slide5.xml><?xml version="1.0" encoding="utf-8"?>
+<file path=ppt/slides/slide6.xml><?xml version="1.0" encoding="utf-8"?>
 <p:sld xmlns:a="http://schemas.openxmlformats.org/drawingml/2006/main" xmlns:r="http://schemas.openxmlformats.org/officeDocument/2006/relationships" xmlns:p="http://schemas.openxmlformats.org/presentationml/2006/main">
   <p:cSld>
     <p:spTree>
@@ -11728,8 +12464,12 @@
               <a:buChar char="•"/>
             </a:pPr>
             <a:r>
+              <a:rPr lang="en-US" dirty="0" err="1"/>
+              <a:t>t</a:t>
+            </a:r>
+            <a:r>
               <a:rPr lang="en-US" dirty="0" err="1" smtClean="0"/>
-              <a:t>This.state.name</a:t>
+              <a:t>his.state.name</a:t>
             </a:r>
             <a:endParaRPr lang="en-US" dirty="0" smtClean="0"/>
           </a:p>
@@ -11867,215 +12607,6 @@
     <p:extLst>
       <p:ext uri="{BB962C8B-B14F-4D97-AF65-F5344CB8AC3E}">
         <p14:creationId xmlns:p14="http://schemas.microsoft.com/office/powerpoint/2010/main" val="983261220"/>
-      </p:ext>
-    </p:extLst>
-  </p:cSld>
-  <p:clrMapOvr>
-    <a:masterClrMapping/>
-  </p:clrMapOvr>
-  <mc:AlternateContent xmlns:mc="http://schemas.openxmlformats.org/markup-compatibility/2006" xmlns:p14="http://schemas.microsoft.com/office/powerpoint/2010/main">
-    <mc:Choice Requires="p14">
-      <p:transition p14:dur="0"/>
-    </mc:Choice>
-    <mc:Fallback xmlns="">
-      <p:transition/>
-    </mc:Fallback>
-  </mc:AlternateContent>
-  <p:timing>
-    <p:tnLst>
-      <p:par>
-        <p:cTn id="1" dur="indefinite" restart="never" nodeType="tmRoot"/>
-      </p:par>
-    </p:tnLst>
-  </p:timing>
-</p:sld>
-</file>
-
-<file path=ppt/slides/slide6.xml><?xml version="1.0" encoding="utf-8"?>
-<p:sld xmlns:a="http://schemas.openxmlformats.org/drawingml/2006/main" xmlns:r="http://schemas.openxmlformats.org/officeDocument/2006/relationships" xmlns:p="http://schemas.openxmlformats.org/presentationml/2006/main">
-  <p:cSld>
-    <p:spTree>
-      <p:nvGrpSpPr>
-        <p:cNvPr id="1" name=""/>
-        <p:cNvGrpSpPr/>
-        <p:nvPr/>
-      </p:nvGrpSpPr>
-      <p:grpSpPr>
-        <a:xfrm>
-          <a:off x="0" y="0"/>
-          <a:ext cx="0" cy="0"/>
-          <a:chOff x="0" y="0"/>
-          <a:chExt cx="0" cy="0"/>
-        </a:xfrm>
-      </p:grpSpPr>
-      <p:pic>
-        <p:nvPicPr>
-          <p:cNvPr id="4" name="Picture 3"/>
-          <p:cNvPicPr>
-            <a:picLocks noChangeAspect="1"/>
-          </p:cNvPicPr>
-          <p:nvPr/>
-        </p:nvPicPr>
-        <p:blipFill>
-          <a:blip r:embed="rId2"/>
-          <a:stretch>
-            <a:fillRect/>
-          </a:stretch>
-        </p:blipFill>
-        <p:spPr>
-          <a:xfrm>
-            <a:off x="3933816" y="1353312"/>
-            <a:ext cx="4600584" cy="5212588"/>
-          </a:xfrm>
-          <a:prstGeom prst="rect">
-            <a:avLst/>
-          </a:prstGeom>
-        </p:spPr>
-      </p:pic>
-      <p:sp>
-        <p:nvSpPr>
-          <p:cNvPr id="2" name="Text Placeholder 1"/>
-          <p:cNvSpPr>
-            <a:spLocks noGrp="1"/>
-          </p:cNvSpPr>
-          <p:nvPr>
-            <p:ph type="body" sz="quarter" idx="12"/>
-          </p:nvPr>
-        </p:nvSpPr>
-        <p:spPr/>
-        <p:txBody>
-          <a:bodyPr/>
-          <a:lstStyle/>
-          <a:p>
-            <a:pPr marL="342900" indent="-342900">
-              <a:buFont typeface="Arial" charset="0"/>
-              <a:buChar char="•"/>
-            </a:pPr>
-            <a:r>
-              <a:rPr lang="en-US" dirty="0" smtClean="0"/>
-              <a:t>Uses ‘</a:t>
-            </a:r>
-            <a:r>
-              <a:rPr lang="en-US" dirty="0" smtClean="0">
-                <a:solidFill>
-                  <a:srgbClr val="FF0000"/>
-                </a:solidFill>
-              </a:rPr>
-              <a:t>ref</a:t>
-            </a:r>
-            <a:r>
-              <a:rPr lang="en-US" dirty="0" smtClean="0"/>
-              <a:t>’ for input</a:t>
-            </a:r>
-          </a:p>
-          <a:p>
-            <a:pPr marL="342900" indent="-342900">
-              <a:buFont typeface="Arial" charset="0"/>
-              <a:buChar char="•"/>
-            </a:pPr>
-            <a:r>
-              <a:rPr lang="en-US" dirty="0" smtClean="0"/>
-              <a:t>Uses callback,</a:t>
-            </a:r>
-          </a:p>
-          <a:p>
-            <a:pPr marL="631825" lvl="1" indent="-342900">
-              <a:buFont typeface="Arial" charset="0"/>
-              <a:buChar char="•"/>
-            </a:pPr>
-            <a:r>
-              <a:rPr lang="en-US" dirty="0" err="1" smtClean="0"/>
-              <a:t>This.props.setName</a:t>
-            </a:r>
-            <a:endParaRPr lang="en-US" dirty="0" smtClean="0"/>
-          </a:p>
-          <a:p>
-            <a:pPr marL="631825" lvl="1" indent="-342900">
-              <a:buFont typeface="Arial" charset="0"/>
-              <a:buChar char="•"/>
-            </a:pPr>
-            <a:r>
-              <a:rPr lang="en-US" dirty="0" smtClean="0"/>
-              <a:t>Send to parent</a:t>
-            </a:r>
-          </a:p>
-          <a:p>
-            <a:pPr marL="342900" indent="-342900">
-              <a:buFont typeface="Arial" charset="0"/>
-              <a:buChar char="•"/>
-            </a:pPr>
-            <a:r>
-              <a:rPr lang="en-US" dirty="0" smtClean="0"/>
-              <a:t>Displays</a:t>
-            </a:r>
-          </a:p>
-          <a:p>
-            <a:pPr marL="631825" lvl="1" indent="-342900">
-              <a:buFont typeface="Arial" charset="0"/>
-              <a:buChar char="•"/>
-            </a:pPr>
-            <a:r>
-              <a:rPr lang="en-US" dirty="0" err="1" smtClean="0"/>
-              <a:t>This.p</a:t>
-            </a:r>
-            <a:r>
-              <a:rPr lang="en-US" dirty="0" err="1" smtClean="0"/>
-              <a:t>rops.name</a:t>
-            </a:r>
-            <a:endParaRPr lang="en-US" dirty="0" smtClean="0"/>
-          </a:p>
-          <a:p>
-            <a:pPr marL="342900" indent="-342900">
-              <a:buFont typeface="Arial" charset="0"/>
-              <a:buChar char="•"/>
-            </a:pPr>
-            <a:r>
-              <a:rPr lang="en-US" dirty="0" smtClean="0"/>
-              <a:t>Tightly coupled to parent</a:t>
-            </a:r>
-            <a:endParaRPr lang="en-US" dirty="0"/>
-          </a:p>
-        </p:txBody>
-      </p:sp>
-      <p:sp>
-        <p:nvSpPr>
-          <p:cNvPr id="3" name="Title 2"/>
-          <p:cNvSpPr>
-            <a:spLocks noGrp="1"/>
-          </p:cNvSpPr>
-          <p:nvPr>
-            <p:ph type="title"/>
-          </p:nvPr>
-        </p:nvSpPr>
-        <p:spPr/>
-        <p:txBody>
-          <a:bodyPr/>
-          <a:lstStyle/>
-          <a:p>
-            <a:r>
-              <a:rPr lang="en-US" dirty="0" smtClean="0"/>
-              <a:t>Left </a:t>
-            </a:r>
-            <a:r>
-              <a:rPr lang="mr-IN" dirty="0" smtClean="0"/>
-              <a:t>–</a:t>
-            </a:r>
-            <a:r>
-              <a:rPr lang="en-US" dirty="0" smtClean="0"/>
-              <a:t> </a:t>
-            </a:r>
-            <a:r>
-              <a:rPr lang="en-US" dirty="0" err="1" smtClean="0"/>
-              <a:t>Login.js</a:t>
-            </a:r>
-            <a:endParaRPr lang="en-US" dirty="0"/>
-          </a:p>
-        </p:txBody>
-      </p:sp>
-    </p:spTree>
-    <p:extLst>
-      <p:ext uri="{BB962C8B-B14F-4D97-AF65-F5344CB8AC3E}">
-        <p14:creationId xmlns:p14="http://schemas.microsoft.com/office/powerpoint/2010/main" val="98249898"/>
       </p:ext>
     </p:extLst>
   </p:cSld>
@@ -12133,8 +12664,8 @@
         </p:blipFill>
         <p:spPr>
           <a:xfrm>
-            <a:off x="1143000" y="3429000"/>
-            <a:ext cx="6565900" cy="2209800"/>
+            <a:off x="3933816" y="1353312"/>
+            <a:ext cx="4600584" cy="5212588"/>
           </a:xfrm>
           <a:prstGeom prst="rect">
             <a:avLst/>
@@ -12162,27 +12693,19 @@
             </a:pPr>
             <a:r>
               <a:rPr lang="en-US" dirty="0" smtClean="0"/>
-              <a:t>Uses </a:t>
-            </a:r>
-            <a:r>
-              <a:rPr lang="en-US" dirty="0" err="1" smtClean="0">
+              <a:t>Uses ‘</a:t>
+            </a:r>
+            <a:r>
+              <a:rPr lang="en-US" dirty="0" smtClean="0">
                 <a:solidFill>
                   <a:srgbClr val="FF0000"/>
                 </a:solidFill>
               </a:rPr>
-              <a:t>this.props.name</a:t>
-            </a:r>
-            <a:r>
-              <a:rPr lang="en-US" dirty="0" smtClean="0">
-                <a:solidFill>
-                  <a:srgbClr val="FF0000"/>
-                </a:solidFill>
-              </a:rPr>
-              <a:t> </a:t>
-            </a:r>
-            <a:r>
-              <a:rPr lang="en-US" dirty="0" smtClean="0"/>
-              <a:t>to display user name</a:t>
+              <a:t>ref</a:t>
+            </a:r>
+            <a:r>
+              <a:rPr lang="en-US" dirty="0" smtClean="0"/>
+              <a:t>’ for input</a:t>
             </a:r>
           </a:p>
           <a:p>
@@ -12192,7 +12715,7 @@
             </a:pPr>
             <a:r>
               <a:rPr lang="en-US" dirty="0" smtClean="0"/>
-              <a:t>Parent passes the name to the child</a:t>
+              <a:t>Uses callback,</a:t>
             </a:r>
           </a:p>
           <a:p>
@@ -12201,30 +12724,58 @@
               <a:buChar char="•"/>
             </a:pPr>
             <a:r>
-              <a:rPr lang="en-US" dirty="0" smtClean="0">
-                <a:solidFill>
-                  <a:srgbClr val="FF0000"/>
-                </a:solidFill>
-              </a:rPr>
-              <a:t>Tightly</a:t>
-            </a:r>
-            <a:r>
-              <a:rPr lang="en-US" dirty="0" smtClean="0"/>
-              <a:t> coupled to the immediate parent</a:t>
-            </a:r>
-          </a:p>
-          <a:p>
-            <a:pPr marL="917575" lvl="2" indent="-342900">
+              <a:rPr lang="en-US" dirty="0" err="1"/>
+              <a:t>t</a:t>
+            </a:r>
+            <a:r>
+              <a:rPr lang="en-US" dirty="0" err="1" smtClean="0"/>
+              <a:t>his.props.setName</a:t>
+            </a:r>
+            <a:endParaRPr lang="en-US" dirty="0" smtClean="0"/>
+          </a:p>
+          <a:p>
+            <a:pPr marL="631825" lvl="1" indent="-342900">
               <a:buFont typeface="Arial" charset="0"/>
               <a:buChar char="•"/>
             </a:pPr>
             <a:r>
               <a:rPr lang="en-US" dirty="0" smtClean="0"/>
-              <a:t>Via </a:t>
+              <a:t>Send to parent</a:t>
+            </a:r>
+          </a:p>
+          <a:p>
+            <a:pPr marL="342900" indent="-342900">
+              <a:buFont typeface="Arial" charset="0"/>
+              <a:buChar char="•"/>
+            </a:pPr>
+            <a:r>
+              <a:rPr lang="en-US" dirty="0" smtClean="0"/>
+              <a:t>Displays</a:t>
+            </a:r>
+          </a:p>
+          <a:p>
+            <a:pPr marL="631825" lvl="1" indent="-342900">
+              <a:buFont typeface="Arial" charset="0"/>
+              <a:buChar char="•"/>
+            </a:pPr>
+            <a:r>
+              <a:rPr lang="en-US" dirty="0" err="1"/>
+              <a:t>t</a:t>
             </a:r>
             <a:r>
               <a:rPr lang="en-US" dirty="0" err="1" smtClean="0"/>
-              <a:t>this.props.name</a:t>
+              <a:t>his.props.name</a:t>
+            </a:r>
+            <a:endParaRPr lang="en-US" dirty="0" smtClean="0"/>
+          </a:p>
+          <a:p>
+            <a:pPr marL="342900" indent="-342900">
+              <a:buFont typeface="Arial" charset="0"/>
+              <a:buChar char="•"/>
+            </a:pPr>
+            <a:r>
+              <a:rPr lang="en-US" dirty="0" smtClean="0"/>
+              <a:t>Tightly coupled to parent</a:t>
             </a:r>
             <a:endParaRPr lang="en-US" dirty="0"/>
           </a:p>
@@ -12247,7 +12798,7 @@
           <a:p>
             <a:r>
               <a:rPr lang="en-US" dirty="0" smtClean="0"/>
-              <a:t>Right </a:t>
+              <a:t>Left </a:t>
             </a:r>
             <a:r>
               <a:rPr lang="mr-IN" dirty="0" smtClean="0"/>
@@ -12259,7 +12810,7 @@
             </a:r>
             <a:r>
               <a:rPr lang="en-US" dirty="0" err="1" smtClean="0"/>
-              <a:t>Marketing.js</a:t>
+              <a:t>Login.js</a:t>
             </a:r>
             <a:endParaRPr lang="en-US" dirty="0"/>
           </a:p>
@@ -12268,7 +12819,7 @@
     </p:spTree>
     <p:extLst>
       <p:ext uri="{BB962C8B-B14F-4D97-AF65-F5344CB8AC3E}">
-        <p14:creationId xmlns:p14="http://schemas.microsoft.com/office/powerpoint/2010/main" val="2018594790"/>
+        <p14:creationId xmlns:p14="http://schemas.microsoft.com/office/powerpoint/2010/main" val="98249898"/>
       </p:ext>
     </p:extLst>
   </p:cSld>
@@ -12310,6 +12861,30 @@
           <a:chExt cx="0" cy="0"/>
         </a:xfrm>
       </p:grpSpPr>
+      <p:pic>
+        <p:nvPicPr>
+          <p:cNvPr id="4" name="Picture 3"/>
+          <p:cNvPicPr>
+            <a:picLocks noChangeAspect="1"/>
+          </p:cNvPicPr>
+          <p:nvPr/>
+        </p:nvPicPr>
+        <p:blipFill>
+          <a:blip r:embed="rId2"/>
+          <a:stretch>
+            <a:fillRect/>
+          </a:stretch>
+        </p:blipFill>
+        <p:spPr>
+          <a:xfrm>
+            <a:off x="1143000" y="3429000"/>
+            <a:ext cx="6565900" cy="2209800"/>
+          </a:xfrm>
+          <a:prstGeom prst="rect">
+            <a:avLst/>
+          </a:prstGeom>
+        </p:spPr>
+      </p:pic>
       <p:sp>
         <p:nvSpPr>
           <p:cNvPr id="2" name="Text Placeholder 1"/>
@@ -12331,7 +12906,37 @@
             </a:pPr>
             <a:r>
               <a:rPr lang="en-US" dirty="0" smtClean="0"/>
-              <a:t>Single CRUD object to manage the state</a:t>
+              <a:t>Uses </a:t>
+            </a:r>
+            <a:r>
+              <a:rPr lang="en-US" dirty="0" err="1" smtClean="0">
+                <a:solidFill>
+                  <a:srgbClr val="FF0000"/>
+                </a:solidFill>
+              </a:rPr>
+              <a:t>this.props.name</a:t>
+            </a:r>
+            <a:r>
+              <a:rPr lang="en-US" dirty="0" smtClean="0">
+                <a:solidFill>
+                  <a:srgbClr val="FF0000"/>
+                </a:solidFill>
+              </a:rPr>
+              <a:t> </a:t>
+            </a:r>
+            <a:r>
+              <a:rPr lang="en-US" dirty="0" smtClean="0"/>
+              <a:t>to display user name</a:t>
+            </a:r>
+          </a:p>
+          <a:p>
+            <a:pPr marL="342900" indent="-342900">
+              <a:buFont typeface="Arial" charset="0"/>
+              <a:buChar char="•"/>
+            </a:pPr>
+            <a:r>
+              <a:rPr lang="en-US" dirty="0" smtClean="0"/>
+              <a:t>Parent passes the name to the child</a:t>
             </a:r>
           </a:p>
           <a:p>
@@ -12340,107 +12945,16 @@
               <a:buChar char="•"/>
             </a:pPr>
             <a:r>
-              <a:rPr lang="en-US" dirty="0" smtClean="0"/>
-              <a:t>Simple JS object, export from a library</a:t>
-            </a:r>
-            <a:endParaRPr lang="en-US" dirty="0" smtClean="0"/>
-          </a:p>
-          <a:p>
-            <a:pPr marL="342900" indent="-342900">
-              <a:buFont typeface="Arial" charset="0"/>
-              <a:buChar char="•"/>
-            </a:pPr>
-            <a:r>
-              <a:rPr lang="en-US" dirty="0" smtClean="0"/>
-              <a:t>Advantages</a:t>
-            </a:r>
-          </a:p>
-          <a:p>
-            <a:pPr marL="631825" lvl="1" indent="-342900">
-              <a:buFont typeface="Arial" charset="0"/>
-              <a:buChar char="•"/>
-            </a:pPr>
-            <a:r>
               <a:rPr lang="en-US" dirty="0" smtClean="0">
                 <a:solidFill>
                   <a:srgbClr val="FF0000"/>
                 </a:solidFill>
               </a:rPr>
-              <a:t>Loose</a:t>
-            </a:r>
-            <a:r>
-              <a:rPr lang="en-US" dirty="0" smtClean="0"/>
-              <a:t> coupling</a:t>
-            </a:r>
-          </a:p>
-          <a:p>
-            <a:pPr marL="631825" lvl="1" indent="-342900">
-              <a:buFont typeface="Arial" charset="0"/>
-              <a:buChar char="•"/>
-            </a:pPr>
-            <a:r>
-              <a:rPr lang="en-US" dirty="0" smtClean="0"/>
-              <a:t>Components can be anywhere</a:t>
-            </a:r>
-          </a:p>
-          <a:p>
-            <a:pPr marL="631825" lvl="1" indent="-342900">
-              <a:buFont typeface="Arial" charset="0"/>
-              <a:buChar char="•"/>
-            </a:pPr>
-            <a:r>
-              <a:rPr lang="en-US" dirty="0" smtClean="0"/>
-              <a:t>Much easier maintenance</a:t>
-            </a:r>
-          </a:p>
-          <a:p>
-            <a:pPr marL="342900" indent="-342900">
-              <a:buFont typeface="Arial" charset="0"/>
-              <a:buChar char="•"/>
-            </a:pPr>
-            <a:r>
-              <a:rPr lang="en-US" dirty="0" smtClean="0"/>
-              <a:t>Disadvantages</a:t>
-            </a:r>
-          </a:p>
-          <a:p>
-            <a:pPr marL="631825" lvl="1" indent="-342900">
-              <a:buFont typeface="Arial" charset="0"/>
-              <a:buChar char="•"/>
-            </a:pPr>
-            <a:r>
-              <a:rPr lang="en-US" dirty="0" smtClean="0"/>
-              <a:t>Components are more </a:t>
-            </a:r>
-            <a:r>
-              <a:rPr lang="en-US" dirty="0" smtClean="0">
-                <a:solidFill>
-                  <a:srgbClr val="FF0000"/>
-                </a:solidFill>
-              </a:rPr>
-              <a:t>complex</a:t>
-            </a:r>
-          </a:p>
-          <a:p>
-            <a:pPr marL="631825" lvl="1" indent="-342900">
-              <a:buFont typeface="Arial" charset="0"/>
-              <a:buChar char="•"/>
-            </a:pPr>
-            <a:r>
-              <a:rPr lang="en-US" dirty="0" smtClean="0"/>
-              <a:t>Must use </a:t>
-            </a:r>
-            <a:r>
-              <a:rPr lang="en-US" dirty="0" smtClean="0">
-                <a:solidFill>
-                  <a:srgbClr val="FF0000"/>
-                </a:solidFill>
-              </a:rPr>
-              <a:t>Observer</a:t>
-            </a:r>
-            <a:r>
-              <a:rPr lang="en-US" dirty="0" smtClean="0"/>
-              <a:t> pattern(or Event listeners, or something)</a:t>
+              <a:t>Tightly</a:t>
+            </a:r>
+            <a:r>
+              <a:rPr lang="en-US" dirty="0" smtClean="0"/>
+              <a:t> coupled to the immediate parent</a:t>
             </a:r>
           </a:p>
           <a:p>
@@ -12450,19 +12964,13 @@
             </a:pPr>
             <a:r>
               <a:rPr lang="en-US" dirty="0" smtClean="0"/>
-              <a:t>Called when data changes</a:t>
-            </a:r>
-            <a:endParaRPr lang="en-US" dirty="0" smtClean="0"/>
-          </a:p>
-          <a:p>
-            <a:pPr marL="917575" lvl="2" indent="-342900">
-              <a:buFont typeface="Arial" charset="0"/>
-              <a:buChar char="•"/>
-            </a:pPr>
-            <a:r>
-              <a:rPr lang="en-US" dirty="0" smtClean="0"/>
-              <a:t>Tells the components when to re-render()</a:t>
-            </a:r>
+              <a:t>Via </a:t>
+            </a:r>
+            <a:r>
+              <a:rPr lang="en-US" dirty="0" err="1" smtClean="0"/>
+              <a:t>this.props.name</a:t>
+            </a:r>
+            <a:endParaRPr lang="en-US" dirty="0"/>
           </a:p>
         </p:txBody>
       </p:sp>
@@ -12483,7 +12991,19 @@
           <a:p>
             <a:r>
               <a:rPr lang="en-US" dirty="0" smtClean="0"/>
-              <a:t>Singleton Solution</a:t>
+              <a:t>Right </a:t>
+            </a:r>
+            <a:r>
+              <a:rPr lang="mr-IN" dirty="0" smtClean="0"/>
+              <a:t>–</a:t>
+            </a:r>
+            <a:r>
+              <a:rPr lang="en-US" dirty="0" smtClean="0"/>
+              <a:t> </a:t>
+            </a:r>
+            <a:r>
+              <a:rPr lang="en-US" dirty="0" err="1" smtClean="0"/>
+              <a:t>Marketing.js</a:t>
             </a:r>
             <a:endParaRPr lang="en-US" dirty="0"/>
           </a:p>
@@ -12492,7 +13012,7 @@
     </p:spTree>
     <p:extLst>
       <p:ext uri="{BB962C8B-B14F-4D97-AF65-F5344CB8AC3E}">
-        <p14:creationId xmlns:p14="http://schemas.microsoft.com/office/powerpoint/2010/main" val="575980224"/>
+        <p14:creationId xmlns:p14="http://schemas.microsoft.com/office/powerpoint/2010/main" val="2018594790"/>
       </p:ext>
     </p:extLst>
   </p:cSld>
@@ -12534,30 +13054,6 @@
           <a:chExt cx="0" cy="0"/>
         </a:xfrm>
       </p:grpSpPr>
-      <p:pic>
-        <p:nvPicPr>
-          <p:cNvPr id="4" name="Picture 3"/>
-          <p:cNvPicPr>
-            <a:picLocks noChangeAspect="1"/>
-          </p:cNvPicPr>
-          <p:nvPr/>
-        </p:nvPicPr>
-        <p:blipFill>
-          <a:blip r:embed="rId2"/>
-          <a:stretch>
-            <a:fillRect/>
-          </a:stretch>
-        </p:blipFill>
-        <p:spPr>
-          <a:xfrm>
-            <a:off x="4556853" y="1552956"/>
-            <a:ext cx="3759200" cy="4419600"/>
-          </a:xfrm>
-          <a:prstGeom prst="rect">
-            <a:avLst/>
-          </a:prstGeom>
-        </p:spPr>
-      </p:pic>
       <p:sp>
         <p:nvSpPr>
           <p:cNvPr id="2" name="Text Placeholder 1"/>
@@ -12579,7 +13075,17 @@
             </a:pPr>
             <a:r>
               <a:rPr lang="en-US" dirty="0" smtClean="0"/>
-              <a:t>Page 1</a:t>
+              <a:t>Single CRUD object to manage the state</a:t>
+            </a:r>
+          </a:p>
+          <a:p>
+            <a:pPr marL="631825" lvl="1" indent="-342900">
+              <a:buFont typeface="Arial" charset="0"/>
+              <a:buChar char="•"/>
+            </a:pPr>
+            <a:r>
+              <a:rPr lang="en-US" dirty="0" smtClean="0"/>
+              <a:t>Simple JS object, export from a library</a:t>
             </a:r>
           </a:p>
           <a:p>
@@ -12589,7 +13095,7 @@
             </a:pPr>
             <a:r>
               <a:rPr lang="en-US" dirty="0" smtClean="0"/>
-              <a:t>CRUD API</a:t>
+              <a:t>Advantages</a:t>
             </a:r>
           </a:p>
           <a:p>
@@ -12598,12 +13104,16 @@
               <a:buChar char="•"/>
             </a:pPr>
             <a:r>
-              <a:rPr lang="en-US" dirty="0" err="1" smtClean="0"/>
-              <a:t>getName</a:t>
-            </a:r>
-            <a:r>
-              <a:rPr lang="en-US" dirty="0" smtClean="0"/>
-              <a:t>()</a:t>
+              <a:rPr lang="en-US" dirty="0" smtClean="0">
+                <a:solidFill>
+                  <a:srgbClr val="FF0000"/>
+                </a:solidFill>
+              </a:rPr>
+              <a:t>Loose</a:t>
+            </a:r>
+            <a:r>
+              <a:rPr lang="en-US" dirty="0" smtClean="0"/>
+              <a:t> coupling</a:t>
             </a:r>
           </a:p>
           <a:p>
@@ -12612,12 +13122,18 @@
               <a:buChar char="•"/>
             </a:pPr>
             <a:r>
-              <a:rPr lang="en-US" dirty="0" err="1" smtClean="0"/>
-              <a:t>setName</a:t>
-            </a:r>
-            <a:r>
-              <a:rPr lang="en-US" dirty="0" smtClean="0"/>
-              <a:t>(name)</a:t>
+              <a:rPr lang="en-US" dirty="0" smtClean="0"/>
+              <a:t>Components can be anywhere</a:t>
+            </a:r>
+          </a:p>
+          <a:p>
+            <a:pPr marL="631825" lvl="1" indent="-342900">
+              <a:buFont typeface="Arial" charset="0"/>
+              <a:buChar char="•"/>
+            </a:pPr>
+            <a:r>
+              <a:rPr lang="en-US" dirty="0" smtClean="0"/>
+              <a:t>Much easier maintenance</a:t>
             </a:r>
           </a:p>
           <a:p>
@@ -12625,18 +13141,70 @@
               <a:buFont typeface="Arial" charset="0"/>
               <a:buChar char="•"/>
             </a:pPr>
-            <a:endParaRPr lang="en-US" dirty="0"/>
-          </a:p>
-          <a:p>
-            <a:pPr marL="342900" indent="-342900">
+            <a:r>
+              <a:rPr lang="en-US" dirty="0" smtClean="0"/>
+              <a:t>Disadvantages</a:t>
+            </a:r>
+          </a:p>
+          <a:p>
+            <a:pPr marL="631825" lvl="1" indent="-342900">
               <a:buFont typeface="Arial" charset="0"/>
               <a:buChar char="•"/>
             </a:pPr>
             <a:r>
               <a:rPr lang="en-US" dirty="0" smtClean="0"/>
-              <a:t>Simple, easy to test</a:t>
-            </a:r>
-            <a:endParaRPr lang="en-US" dirty="0"/>
+              <a:t>Components are more </a:t>
+            </a:r>
+            <a:r>
+              <a:rPr lang="en-US" dirty="0" smtClean="0">
+                <a:solidFill>
+                  <a:srgbClr val="FF0000"/>
+                </a:solidFill>
+              </a:rPr>
+              <a:t>complex</a:t>
+            </a:r>
+          </a:p>
+          <a:p>
+            <a:pPr marL="631825" lvl="1" indent="-342900">
+              <a:buFont typeface="Arial" charset="0"/>
+              <a:buChar char="•"/>
+            </a:pPr>
+            <a:r>
+              <a:rPr lang="en-US" dirty="0" smtClean="0"/>
+              <a:t>Must use </a:t>
+            </a:r>
+            <a:r>
+              <a:rPr lang="en-US" dirty="0" smtClean="0">
+                <a:solidFill>
+                  <a:srgbClr val="FF0000"/>
+                </a:solidFill>
+              </a:rPr>
+              <a:t>Observer</a:t>
+            </a:r>
+            <a:r>
+              <a:rPr lang="en-US" dirty="0" smtClean="0"/>
+              <a:t> pattern(or Event listeners, or something)</a:t>
+            </a:r>
+          </a:p>
+          <a:p>
+            <a:pPr marL="917575" lvl="2" indent="-342900">
+              <a:buFont typeface="Arial" charset="0"/>
+              <a:buChar char="•"/>
+            </a:pPr>
+            <a:r>
+              <a:rPr lang="en-US" dirty="0" smtClean="0"/>
+              <a:t>Called when data changes</a:t>
+            </a:r>
+          </a:p>
+          <a:p>
+            <a:pPr marL="917575" lvl="2" indent="-342900">
+              <a:buFont typeface="Arial" charset="0"/>
+              <a:buChar char="•"/>
+            </a:pPr>
+            <a:r>
+              <a:rPr lang="en-US" dirty="0" smtClean="0"/>
+              <a:t>Tells the components when to re-render()</a:t>
+            </a:r>
           </a:p>
         </p:txBody>
       </p:sp>
@@ -12657,19 +13225,7 @@
           <a:p>
             <a:r>
               <a:rPr lang="en-US" dirty="0" smtClean="0"/>
-              <a:t>Singleton Data </a:t>
-            </a:r>
-            <a:r>
-              <a:rPr lang="mr-IN" dirty="0" smtClean="0"/>
-              <a:t>–</a:t>
-            </a:r>
-            <a:r>
-              <a:rPr lang="en-US" dirty="0" smtClean="0"/>
-              <a:t> </a:t>
-            </a:r>
-            <a:r>
-              <a:rPr lang="en-US" dirty="0" err="1" smtClean="0"/>
-              <a:t>UserInfo.js</a:t>
+              <a:t>Singleton Solution</a:t>
             </a:r>
             <a:endParaRPr lang="en-US" dirty="0"/>
           </a:p>
@@ -12678,7 +13234,7 @@
     </p:spTree>
     <p:extLst>
       <p:ext uri="{BB962C8B-B14F-4D97-AF65-F5344CB8AC3E}">
-        <p14:creationId xmlns:p14="http://schemas.microsoft.com/office/powerpoint/2010/main" val="1790827739"/>
+        <p14:creationId xmlns:p14="http://schemas.microsoft.com/office/powerpoint/2010/main" val="575980224"/>
       </p:ext>
     </p:extLst>
   </p:cSld>
